--- a/clase3/clase3.pptx
+++ b/clase3/clase3.pptx
@@ -290,7 +290,7 @@
           <a:p>
             <a:fld id="{D5F75AF1-BC71-4622-8788-6CBC9951BC82}" type="datetimeFigureOut">
               <a:rPr lang="es-GT" smtClean="0"/>
-              <a:t>25/03/2023</a:t>
+              <a:t>8/04/2023</a:t>
             </a:fld>
             <a:endParaRPr lang="es-GT"/>
           </a:p>
@@ -490,7 +490,7 @@
           <a:p>
             <a:fld id="{D5F75AF1-BC71-4622-8788-6CBC9951BC82}" type="datetimeFigureOut">
               <a:rPr lang="es-GT" smtClean="0"/>
-              <a:t>25/03/2023</a:t>
+              <a:t>8/04/2023</a:t>
             </a:fld>
             <a:endParaRPr lang="es-GT"/>
           </a:p>
@@ -700,7 +700,7 @@
           <a:p>
             <a:fld id="{D5F75AF1-BC71-4622-8788-6CBC9951BC82}" type="datetimeFigureOut">
               <a:rPr lang="es-GT" smtClean="0"/>
-              <a:t>25/03/2023</a:t>
+              <a:t>8/04/2023</a:t>
             </a:fld>
             <a:endParaRPr lang="es-GT"/>
           </a:p>
@@ -900,7 +900,7 @@
           <a:p>
             <a:fld id="{D5F75AF1-BC71-4622-8788-6CBC9951BC82}" type="datetimeFigureOut">
               <a:rPr lang="es-GT" smtClean="0"/>
-              <a:t>25/03/2023</a:t>
+              <a:t>8/04/2023</a:t>
             </a:fld>
             <a:endParaRPr lang="es-GT"/>
           </a:p>
@@ -1176,7 +1176,7 @@
           <a:p>
             <a:fld id="{D5F75AF1-BC71-4622-8788-6CBC9951BC82}" type="datetimeFigureOut">
               <a:rPr lang="es-GT" smtClean="0"/>
-              <a:t>25/03/2023</a:t>
+              <a:t>8/04/2023</a:t>
             </a:fld>
             <a:endParaRPr lang="es-GT"/>
           </a:p>
@@ -1444,7 +1444,7 @@
           <a:p>
             <a:fld id="{D5F75AF1-BC71-4622-8788-6CBC9951BC82}" type="datetimeFigureOut">
               <a:rPr lang="es-GT" smtClean="0"/>
-              <a:t>25/03/2023</a:t>
+              <a:t>8/04/2023</a:t>
             </a:fld>
             <a:endParaRPr lang="es-GT"/>
           </a:p>
@@ -1859,7 +1859,7 @@
           <a:p>
             <a:fld id="{D5F75AF1-BC71-4622-8788-6CBC9951BC82}" type="datetimeFigureOut">
               <a:rPr lang="es-GT" smtClean="0"/>
-              <a:t>25/03/2023</a:t>
+              <a:t>8/04/2023</a:t>
             </a:fld>
             <a:endParaRPr lang="es-GT"/>
           </a:p>
@@ -2001,7 +2001,7 @@
           <a:p>
             <a:fld id="{D5F75AF1-BC71-4622-8788-6CBC9951BC82}" type="datetimeFigureOut">
               <a:rPr lang="es-GT" smtClean="0"/>
-              <a:t>25/03/2023</a:t>
+              <a:t>8/04/2023</a:t>
             </a:fld>
             <a:endParaRPr lang="es-GT"/>
           </a:p>
@@ -2114,7 +2114,7 @@
           <a:p>
             <a:fld id="{D5F75AF1-BC71-4622-8788-6CBC9951BC82}" type="datetimeFigureOut">
               <a:rPr lang="es-GT" smtClean="0"/>
-              <a:t>25/03/2023</a:t>
+              <a:t>8/04/2023</a:t>
             </a:fld>
             <a:endParaRPr lang="es-GT"/>
           </a:p>
@@ -2427,7 +2427,7 @@
           <a:p>
             <a:fld id="{D5F75AF1-BC71-4622-8788-6CBC9951BC82}" type="datetimeFigureOut">
               <a:rPr lang="es-GT" smtClean="0"/>
-              <a:t>25/03/2023</a:t>
+              <a:t>8/04/2023</a:t>
             </a:fld>
             <a:endParaRPr lang="es-GT"/>
           </a:p>
@@ -2716,7 +2716,7 @@
           <a:p>
             <a:fld id="{D5F75AF1-BC71-4622-8788-6CBC9951BC82}" type="datetimeFigureOut">
               <a:rPr lang="es-GT" smtClean="0"/>
-              <a:t>25/03/2023</a:t>
+              <a:t>8/04/2023</a:t>
             </a:fld>
             <a:endParaRPr lang="es-GT"/>
           </a:p>
@@ -2959,7 +2959,7 @@
           <a:p>
             <a:fld id="{D5F75AF1-BC71-4622-8788-6CBC9951BC82}" type="datetimeFigureOut">
               <a:rPr lang="es-GT" smtClean="0"/>
-              <a:t>25/03/2023</a:t>
+              <a:t>8/04/2023</a:t>
             </a:fld>
             <a:endParaRPr lang="es-GT"/>
           </a:p>
@@ -4270,7 +4270,7 @@
               <a:rPr lang="es-GT" dirty="0">
                 <a:latin typeface="Goudy Old Style" panose="02020502050305020303" pitchFamily="18" charset="0"/>
               </a:rPr>
-              <a:t>Características </a:t>
+              <a:t>Definición </a:t>
             </a:r>
           </a:p>
         </p:txBody>
@@ -4309,7 +4309,7 @@
                 </a:solidFill>
                 <a:latin typeface="Avenir Next LT Pro" panose="020B0504020202020204" pitchFamily="34" charset="0"/>
               </a:rPr>
-              <a:t>Auto servicio: adquirir recursos sin interacción humana</a:t>
+              <a:t>Modelo de nube en el que el proveedor de servicios en la nube ofrece recursos de infraestructura de TI, como servidores, almacenamiento, redes y sistemas operativos, a través de internet</a:t>
             </a:r>
           </a:p>
           <a:p>
@@ -4324,7 +4324,7 @@
                 </a:solidFill>
                 <a:latin typeface="Avenir Next LT Pro" panose="020B0504020202020204" pitchFamily="34" charset="0"/>
               </a:rPr>
-              <a:t>Acceso: a través de una red</a:t>
+              <a:t>Los clientes pueden alquilar estos recursos en función de sus necesidades</a:t>
             </a:r>
           </a:p>
           <a:p>
@@ -4339,7 +4339,7 @@
                 </a:solidFill>
                 <a:latin typeface="Avenir Next LT Pro" panose="020B0504020202020204" pitchFamily="34" charset="0"/>
               </a:rPr>
-              <a:t>Variedad de recursos: según características de servicio</a:t>
+              <a:t>AWS</a:t>
             </a:r>
           </a:p>
           <a:p>
@@ -4354,7 +4354,7 @@
                 </a:solidFill>
                 <a:latin typeface="Avenir Next LT Pro" panose="020B0504020202020204" pitchFamily="34" charset="0"/>
               </a:rPr>
-              <a:t>Elasticidad: para incrementar o liberar recursos</a:t>
+              <a:t>Microsoft Azure</a:t>
             </a:r>
           </a:p>
           <a:p>
@@ -4369,8 +4369,80 @@
                 </a:solidFill>
                 <a:latin typeface="Avenir Next LT Pro" panose="020B0504020202020204" pitchFamily="34" charset="0"/>
               </a:rPr>
-              <a:t>Servicio a medida: automático para su gestión, solo se paga por lo que se usa</a:t>
-            </a:r>
+              <a:t>Google Cloud </a:t>
+            </a:r>
+            <a:r>
+              <a:rPr lang="es-GT" sz="2000" dirty="0" err="1">
+                <a:solidFill>
+                  <a:schemeClr val="tx1">
+                    <a:lumMod val="65000"/>
+                    <a:lumOff val="35000"/>
+                  </a:schemeClr>
+                </a:solidFill>
+                <a:latin typeface="Avenir Next LT Pro" panose="020B0504020202020204" pitchFamily="34" charset="0"/>
+              </a:rPr>
+              <a:t>Platform</a:t>
+            </a:r>
+            <a:endParaRPr lang="es-GT" sz="2000" dirty="0">
+              <a:solidFill>
+                <a:schemeClr val="tx1">
+                  <a:lumMod val="65000"/>
+                  <a:lumOff val="35000"/>
+                </a:schemeClr>
+              </a:solidFill>
+              <a:latin typeface="Avenir Next LT Pro" panose="020B0504020202020204" pitchFamily="34" charset="0"/>
+            </a:endParaRPr>
+          </a:p>
+          <a:p>
+            <a:pPr algn="just"/>
+            <a:r>
+              <a:rPr lang="es-GT" sz="2000" dirty="0">
+                <a:solidFill>
+                  <a:schemeClr val="tx1">
+                    <a:lumMod val="65000"/>
+                    <a:lumOff val="35000"/>
+                  </a:schemeClr>
+                </a:solidFill>
+                <a:latin typeface="Avenir Next LT Pro" panose="020B0504020202020204" pitchFamily="34" charset="0"/>
+              </a:rPr>
+              <a:t>IBM Cloud</a:t>
+            </a:r>
+          </a:p>
+          <a:p>
+            <a:pPr algn="just"/>
+            <a:r>
+              <a:rPr lang="es-GT" sz="2000" dirty="0">
+                <a:solidFill>
+                  <a:schemeClr val="tx1">
+                    <a:lumMod val="65000"/>
+                    <a:lumOff val="35000"/>
+                  </a:schemeClr>
+                </a:solidFill>
+                <a:latin typeface="Avenir Next LT Pro" panose="020B0504020202020204" pitchFamily="34" charset="0"/>
+              </a:rPr>
+              <a:t>Digital </a:t>
+            </a:r>
+            <a:r>
+              <a:rPr lang="es-GT" sz="2000">
+                <a:solidFill>
+                  <a:schemeClr val="tx1">
+                    <a:lumMod val="65000"/>
+                    <a:lumOff val="35000"/>
+                  </a:schemeClr>
+                </a:solidFill>
+                <a:latin typeface="Avenir Next LT Pro" panose="020B0504020202020204" pitchFamily="34" charset="0"/>
+              </a:rPr>
+              <a:t>Ocean</a:t>
+            </a:r>
+            <a:endParaRPr lang="es-GT" sz="2000" dirty="0">
+              <a:solidFill>
+                <a:schemeClr val="tx1">
+                  <a:lumMod val="65000"/>
+                  <a:lumOff val="35000"/>
+                </a:schemeClr>
+              </a:solidFill>
+              <a:latin typeface="Avenir Next LT Pro" panose="020B0504020202020204" pitchFamily="34" charset="0"/>
+            </a:endParaRPr>
           </a:p>
         </p:txBody>
       </p:sp>
